--- a/docs/symbol.pptx
+++ b/docs/symbol.pptx
@@ -222,7 +222,7 @@
           <a:p>
             <a:fld id="{DBCBBA27-8B8E-4F8C-8890-358CD4FF7CC3}" type="datetimeFigureOut">
               <a:rPr lang="zh-CN" altLang="en-US" smtClean="0"/>
-              <a:t>2020/10/10</a:t>
+              <a:t>2020/12/16</a:t>
             </a:fld>
             <a:endParaRPr lang="zh-CN" altLang="en-US"/>
           </a:p>
@@ -888,7 +888,7 @@
           <a:p>
             <a:fld id="{DDEF8D46-829D-4F38-8DCF-D36AB7DB8FCD}" type="datetimeFigureOut">
               <a:rPr lang="zh-CN" altLang="en-US" smtClean="0"/>
-              <a:t>2020/10/10</a:t>
+              <a:t>2020/12/16</a:t>
             </a:fld>
             <a:endParaRPr lang="zh-CN" altLang="en-US"/>
           </a:p>
@@ -1086,7 +1086,7 @@
           <a:p>
             <a:fld id="{DDEF8D46-829D-4F38-8DCF-D36AB7DB8FCD}" type="datetimeFigureOut">
               <a:rPr lang="zh-CN" altLang="en-US" smtClean="0"/>
-              <a:t>2020/10/10</a:t>
+              <a:t>2020/12/16</a:t>
             </a:fld>
             <a:endParaRPr lang="zh-CN" altLang="en-US"/>
           </a:p>
@@ -1294,7 +1294,7 @@
           <a:p>
             <a:fld id="{DDEF8D46-829D-4F38-8DCF-D36AB7DB8FCD}" type="datetimeFigureOut">
               <a:rPr lang="zh-CN" altLang="en-US" smtClean="0"/>
-              <a:t>2020/10/10</a:t>
+              <a:t>2020/12/16</a:t>
             </a:fld>
             <a:endParaRPr lang="zh-CN" altLang="en-US"/>
           </a:p>
@@ -1492,7 +1492,7 @@
           <a:p>
             <a:fld id="{DDEF8D46-829D-4F38-8DCF-D36AB7DB8FCD}" type="datetimeFigureOut">
               <a:rPr lang="zh-CN" altLang="en-US" smtClean="0"/>
-              <a:t>2020/10/10</a:t>
+              <a:t>2020/12/16</a:t>
             </a:fld>
             <a:endParaRPr lang="zh-CN" altLang="en-US"/>
           </a:p>
@@ -1767,7 +1767,7 @@
           <a:p>
             <a:fld id="{DDEF8D46-829D-4F38-8DCF-D36AB7DB8FCD}" type="datetimeFigureOut">
               <a:rPr lang="zh-CN" altLang="en-US" smtClean="0"/>
-              <a:t>2020/10/10</a:t>
+              <a:t>2020/12/16</a:t>
             </a:fld>
             <a:endParaRPr lang="zh-CN" altLang="en-US"/>
           </a:p>
@@ -2032,7 +2032,7 @@
           <a:p>
             <a:fld id="{DDEF8D46-829D-4F38-8DCF-D36AB7DB8FCD}" type="datetimeFigureOut">
               <a:rPr lang="zh-CN" altLang="en-US" smtClean="0"/>
-              <a:t>2020/10/10</a:t>
+              <a:t>2020/12/16</a:t>
             </a:fld>
             <a:endParaRPr lang="zh-CN" altLang="en-US"/>
           </a:p>
@@ -2444,7 +2444,7 @@
           <a:p>
             <a:fld id="{DDEF8D46-829D-4F38-8DCF-D36AB7DB8FCD}" type="datetimeFigureOut">
               <a:rPr lang="zh-CN" altLang="en-US" smtClean="0"/>
-              <a:t>2020/10/10</a:t>
+              <a:t>2020/12/16</a:t>
             </a:fld>
             <a:endParaRPr lang="zh-CN" altLang="en-US"/>
           </a:p>
@@ -2585,7 +2585,7 @@
           <a:p>
             <a:fld id="{DDEF8D46-829D-4F38-8DCF-D36AB7DB8FCD}" type="datetimeFigureOut">
               <a:rPr lang="zh-CN" altLang="en-US" smtClean="0"/>
-              <a:t>2020/10/10</a:t>
+              <a:t>2020/12/16</a:t>
             </a:fld>
             <a:endParaRPr lang="zh-CN" altLang="en-US"/>
           </a:p>
@@ -2698,7 +2698,7 @@
           <a:p>
             <a:fld id="{DDEF8D46-829D-4F38-8DCF-D36AB7DB8FCD}" type="datetimeFigureOut">
               <a:rPr lang="zh-CN" altLang="en-US" smtClean="0"/>
-              <a:t>2020/10/10</a:t>
+              <a:t>2020/12/16</a:t>
             </a:fld>
             <a:endParaRPr lang="zh-CN" altLang="en-US"/>
           </a:p>
@@ -3009,7 +3009,7 @@
           <a:p>
             <a:fld id="{DDEF8D46-829D-4F38-8DCF-D36AB7DB8FCD}" type="datetimeFigureOut">
               <a:rPr lang="zh-CN" altLang="en-US" smtClean="0"/>
-              <a:t>2020/10/10</a:t>
+              <a:t>2020/12/16</a:t>
             </a:fld>
             <a:endParaRPr lang="zh-CN" altLang="en-US"/>
           </a:p>
@@ -3297,7 +3297,7 @@
           <a:p>
             <a:fld id="{DDEF8D46-829D-4F38-8DCF-D36AB7DB8FCD}" type="datetimeFigureOut">
               <a:rPr lang="zh-CN" altLang="en-US" smtClean="0"/>
-              <a:t>2020/10/10</a:t>
+              <a:t>2020/12/16</a:t>
             </a:fld>
             <a:endParaRPr lang="zh-CN" altLang="en-US"/>
           </a:p>
@@ -3538,7 +3538,7 @@
           <a:p>
             <a:fld id="{DDEF8D46-829D-4F38-8DCF-D36AB7DB8FCD}" type="datetimeFigureOut">
               <a:rPr lang="zh-CN" altLang="en-US" smtClean="0"/>
-              <a:t>2020/10/10</a:t>
+              <a:t>2020/12/16</a:t>
             </a:fld>
             <a:endParaRPr lang="zh-CN" altLang="en-US"/>
           </a:p>
@@ -4137,7 +4137,7 @@
           <a:p>
             <a:pPr algn="ctr"/>
             <a:r>
-              <a:rPr lang="en-US" altLang="zh-CN" dirty="0" err="1"/>
+              <a:rPr lang="en-US" altLang="zh-CN" dirty="0"/>
               <a:t>CalculatePrecisionSet</a:t>
             </a:r>
             <a:endParaRPr lang="zh-CN" altLang="en-US" dirty="0"/>
@@ -4235,25 +4235,10 @@
           <a:p>
             <a:pPr algn="ctr"/>
             <a:r>
-              <a:rPr lang="en-US" altLang="zh-CN" dirty="0"/>
+              <a:rPr lang="en-US" altLang="zh-CN" dirty="0" err="1"/>
               <a:t>SymbolTree</a:t>
             </a:r>
-          </a:p>
-          <a:p>
-            <a:pPr algn="ctr"/>
-            <a:r>
-              <a:rPr lang="en-US" altLang="zh-CN" dirty="0"/>
-              <a:t>(…_</a:t>
-            </a:r>
-            <a:r>
-              <a:rPr lang="en-US" altLang="zh-CN" dirty="0" err="1"/>
-              <a:t>ExprTree</a:t>
-            </a:r>
-            <a:r>
-              <a:rPr lang="en-US" altLang="zh-CN" dirty="0"/>
-              <a:t>)</a:t>
-            </a:r>
-            <a:endParaRPr lang="zh-CN" altLang="en-US" dirty="0"/>
+            <a:endParaRPr lang="en-US" altLang="zh-CN" dirty="0"/>
           </a:p>
         </p:txBody>
       </p:sp>
@@ -4536,10 +4521,17 @@
           </a:p>
           <a:p>
             <a:r>
+              <a:rPr lang="zh-CN" altLang="en-US" sz="2000" dirty="0"/>
+              <a:t>（</a:t>
+            </a:r>
+            <a:r>
               <a:rPr lang="en-US" altLang="zh-CN" sz="2000" dirty="0"/>
               <a:t>if add trees as new features</a:t>
             </a:r>
-            <a:endParaRPr lang="zh-CN" altLang="en-US" sz="2000" dirty="0"/>
+            <a:r>
+              <a:rPr lang="zh-CN" altLang="en-US" sz="2000" dirty="0"/>
+              <a:t>）</a:t>
+            </a:r>
           </a:p>
         </p:txBody>
       </p:sp>
@@ -4579,17 +4571,7 @@
                   </a:schemeClr>
                 </a:solidFill>
               </a:rPr>
-              <a:t>.</a:t>
-            </a:r>
-            <a:r>
-              <a:rPr lang="en-US" altLang="zh-CN" dirty="0" err="1">
-                <a:solidFill>
-                  <a:schemeClr val="accent2">
-                    <a:lumMod val="50000"/>
-                  </a:schemeClr>
-                </a:solidFill>
-              </a:rPr>
-              <a:t>add_tree_to_features</a:t>
+              <a:t>.add_tree_to_features</a:t>
             </a:r>
             <a:endParaRPr lang="zh-CN" altLang="en-US" dirty="0">
               <a:solidFill>
@@ -4656,7 +4638,7 @@
           <a:lstStyle/>
           <a:p>
             <a:r>
-              <a:rPr lang="en-US" altLang="zh-CN" dirty="0" err="1"/>
+              <a:rPr lang="en-US" altLang="zh-CN" dirty="0"/>
               <a:t>ST.generate</a:t>
             </a:r>
             <a:endParaRPr lang="zh-CN" altLang="en-US" dirty="0">
@@ -4698,7 +4680,7 @@
           <a:lstStyle/>
           <a:p>
             <a:r>
-              <a:rPr lang="en-US" altLang="zh-CN" dirty="0" err="1"/>
+              <a:rPr lang="en-US" altLang="zh-CN" dirty="0"/>
               <a:t>CP.Calculate</a:t>
             </a:r>
             <a:endParaRPr lang="zh-CN" altLang="en-US" dirty="0">
@@ -4791,9 +4773,127 @@
           <a:p>
             <a:r>
               <a:rPr lang="en-US" altLang="zh-CN" dirty="0"/>
-              <a:t>Flow relationship between 3 base object</a:t>
+              <a:t>Flow relationship between 3 base objects</a:t>
             </a:r>
             <a:endParaRPr lang="zh-CN" altLang="en-US" dirty="0"/>
+          </a:p>
+        </p:txBody>
+      </p:sp>
+      <p:sp>
+        <p:nvSpPr>
+          <p:cNvPr id="3" name="文本框 2">
+            <a:extLst>
+              <a:ext uri="{FF2B5EF4-FFF2-40B4-BE49-F238E27FC236}">
+                <a16:creationId xmlns:a16="http://schemas.microsoft.com/office/drawing/2014/main" id="{AFF5B44C-929E-446D-95D6-B92B9761E96B}"/>
+              </a:ext>
+            </a:extLst>
+          </p:cNvPr>
+          <p:cNvSpPr txBox="1"/>
+          <p:nvPr/>
+        </p:nvSpPr>
+        <p:spPr>
+          <a:xfrm>
+            <a:off x="1574628" y="4664009"/>
+            <a:ext cx="2073735" cy="307777"/>
+          </a:xfrm>
+          <a:prstGeom prst="rect">
+            <a:avLst/>
+          </a:prstGeom>
+          <a:noFill/>
+        </p:spPr>
+        <p:txBody>
+          <a:bodyPr wrap="square" rtlCol="0">
+            <a:spAutoFit/>
+          </a:bodyPr>
+          <a:lstStyle/>
+          <a:p>
+            <a:r>
+              <a:rPr lang="en-US" altLang="zh-CN" sz="1400" dirty="0"/>
+              <a:t>Calculation parameters</a:t>
+            </a:r>
+            <a:endParaRPr lang="zh-CN" altLang="en-US" sz="1400" dirty="0"/>
+          </a:p>
+        </p:txBody>
+      </p:sp>
+      <p:sp>
+        <p:nvSpPr>
+          <p:cNvPr id="21" name="文本框 20">
+            <a:extLst>
+              <a:ext uri="{FF2B5EF4-FFF2-40B4-BE49-F238E27FC236}">
+                <a16:creationId xmlns:a16="http://schemas.microsoft.com/office/drawing/2014/main" id="{22CCDD34-D232-4577-B2E4-099F733E5927}"/>
+              </a:ext>
+            </a:extLst>
+          </p:cNvPr>
+          <p:cNvSpPr txBox="1"/>
+          <p:nvPr/>
+        </p:nvSpPr>
+        <p:spPr>
+          <a:xfrm>
+            <a:off x="6132197" y="4698630"/>
+            <a:ext cx="1965277" cy="307777"/>
+          </a:xfrm>
+          <a:prstGeom prst="rect">
+            <a:avLst/>
+          </a:prstGeom>
+          <a:noFill/>
+        </p:spPr>
+        <p:txBody>
+          <a:bodyPr wrap="square" rtlCol="0">
+            <a:spAutoFit/>
+          </a:bodyPr>
+          <a:lstStyle/>
+          <a:p>
+            <a:r>
+              <a:rPr lang="en-US" altLang="zh-CN" sz="1400" b="0" i="0" dirty="0">
+                <a:effectLst/>
+                <a:latin typeface="+mn-ea"/>
+              </a:rPr>
+              <a:t>Constituent elements</a:t>
+            </a:r>
+            <a:endParaRPr lang="zh-CN" altLang="en-US" sz="1400" dirty="0">
+              <a:latin typeface="+mn-ea"/>
+            </a:endParaRPr>
+          </a:p>
+        </p:txBody>
+      </p:sp>
+      <p:sp>
+        <p:nvSpPr>
+          <p:cNvPr id="22" name="文本框 21">
+            <a:extLst>
+              <a:ext uri="{FF2B5EF4-FFF2-40B4-BE49-F238E27FC236}">
+                <a16:creationId xmlns:a16="http://schemas.microsoft.com/office/drawing/2014/main" id="{B45661F0-F28C-437A-A093-412ED4B71BC3}"/>
+              </a:ext>
+            </a:extLst>
+          </p:cNvPr>
+          <p:cNvSpPr txBox="1"/>
+          <p:nvPr/>
+        </p:nvSpPr>
+        <p:spPr>
+          <a:xfrm>
+            <a:off x="4286708" y="706743"/>
+            <a:ext cx="1135038" cy="307777"/>
+          </a:xfrm>
+          <a:prstGeom prst="rect">
+            <a:avLst/>
+          </a:prstGeom>
+          <a:noFill/>
+        </p:spPr>
+        <p:txBody>
+          <a:bodyPr wrap="square" rtlCol="0">
+            <a:spAutoFit/>
+          </a:bodyPr>
+          <a:lstStyle/>
+          <a:p>
+            <a:r>
+              <a:rPr lang="en-US" altLang="zh-CN" sz="1400" b="0" i="0" dirty="0">
+                <a:effectLst/>
+                <a:latin typeface="+mn-ea"/>
+              </a:rPr>
+              <a:t>Expressions</a:t>
+            </a:r>
+            <a:endParaRPr lang="zh-CN" altLang="en-US" sz="1400" dirty="0">
+              <a:latin typeface="+mn-ea"/>
+            </a:endParaRPr>
           </a:p>
         </p:txBody>
       </p:sp>
@@ -12148,8 +12248,8 @@
           </p:graphicFrame>
         </mc:Fallback>
       </mc:AlternateContent>
-      <mc:AlternateContent xmlns:mc="http://schemas.openxmlformats.org/markup-compatibility/2006" xmlns:a14="http://schemas.microsoft.com/office/drawing/2010/main">
-        <mc:Choice Requires="a14">
+      <mc:AlternateContent xmlns:mc="http://schemas.openxmlformats.org/markup-compatibility/2006">
+        <mc:Choice xmlns:a14="http://schemas.microsoft.com/office/drawing/2010/main" Requires="a14">
           <p:graphicFrame>
             <p:nvGraphicFramePr>
               <p:cNvPr id="2" name="表格 1">
@@ -12165,7 +12265,7 @@
               <p:nvPr>
                 <p:extLst>
                   <p:ext uri="{D42A27DB-BD31-4B8C-83A1-F6EECF244321}">
-                    <p14:modId xmlns:p14="http://schemas.microsoft.com/office/powerpoint/2010/main" val="1940065313"/>
+                    <p14:modId xmlns:p14="http://schemas.microsoft.com/office/powerpoint/2010/main" val="1009532066"/>
                   </p:ext>
                 </p:extLst>
               </p:nvPr>
@@ -12395,7 +12495,7 @@
                         <a:p>
                           <a:r>
                             <a:rPr lang="en-US" altLang="zh-CN" sz="1400" dirty="0"/>
-                            <a:t>invalid if accept more than 2.</a:t>
+                            <a:t>invalid if accept  one ‘s shape more than 2.</a:t>
                           </a:r>
                           <a:endParaRPr lang="zh-CN" altLang="en-US" sz="1400" dirty="0"/>
                         </a:p>
@@ -12551,7 +12651,7 @@
                         <a:p>
                           <a:r>
                             <a:rPr lang="en-US" altLang="zh-CN" sz="1400" dirty="0"/>
-                            <a:t>invalid if accept more than 2.</a:t>
+                            <a:t>invalid if accept  one ‘s shape more than 2.</a:t>
                           </a:r>
                           <a:endParaRPr lang="zh-CN" altLang="en-US" sz="1400" dirty="0"/>
                         </a:p>
@@ -12579,7 +12679,7 @@
             </a:graphic>
           </p:graphicFrame>
         </mc:Choice>
-        <mc:Fallback xmlns="">
+        <mc:Fallback>
           <p:graphicFrame>
             <p:nvGraphicFramePr>
               <p:cNvPr id="2" name="表格 1">
@@ -12595,7 +12695,7 @@
               <p:nvPr>
                 <p:extLst>
                   <p:ext uri="{D42A27DB-BD31-4B8C-83A1-F6EECF244321}">
-                    <p14:modId xmlns:p14="http://schemas.microsoft.com/office/powerpoint/2010/main" val="1940065313"/>
+                    <p14:modId xmlns:p14="http://schemas.microsoft.com/office/powerpoint/2010/main" val="1009532066"/>
                   </p:ext>
                 </p:extLst>
               </p:nvPr>
@@ -12799,7 +12899,7 @@
                         <a:p>
                           <a:r>
                             <a:rPr lang="en-US" altLang="zh-CN" sz="1400" dirty="0"/>
-                            <a:t>invalid if accept more than 2.</a:t>
+                            <a:t>invalid if accept  one ‘s shape more than 2.</a:t>
                           </a:r>
                           <a:endParaRPr lang="zh-CN" altLang="en-US" sz="1400" dirty="0"/>
                         </a:p>
@@ -12929,7 +13029,7 @@
                         <a:p>
                           <a:r>
                             <a:rPr lang="en-US" altLang="zh-CN" sz="1400" dirty="0"/>
-                            <a:t>invalid if accept more than 2.</a:t>
+                            <a:t>invalid if accept  one ‘s shape more than 2.</a:t>
                           </a:r>
                           <a:endParaRPr lang="zh-CN" altLang="en-US" sz="1400" dirty="0"/>
                         </a:p>
@@ -22024,15 +22124,7 @@
             <a:pPr algn="ctr"/>
             <a:r>
               <a:rPr lang="en-US" altLang="zh-CN" sz="1000" dirty="0"/>
-              <a:t>(</a:t>
-            </a:r>
-            <a:r>
-              <a:rPr lang="en-US" altLang="zh-CN" sz="1000" dirty="0" err="1"/>
-              <a:t>CalculatePrecisionSet</a:t>
-            </a:r>
-            <a:r>
-              <a:rPr lang="en-US" altLang="zh-CN" sz="1000" dirty="0"/>
-              <a:t>)</a:t>
+              <a:t>(CalculatePrecisionSet)</a:t>
             </a:r>
             <a:endParaRPr lang="zh-CN" altLang="en-US" sz="1000" dirty="0"/>
           </a:p>
@@ -22240,15 +22332,7 @@
             <a:pPr algn="ctr"/>
             <a:r>
               <a:rPr lang="en-US" altLang="zh-CN" sz="1050" dirty="0"/>
-              <a:t>(</a:t>
-            </a:r>
-            <a:r>
-              <a:rPr lang="en-US" altLang="zh-CN" sz="1050" dirty="0" err="1"/>
-              <a:t>CalculatePrecisionSet</a:t>
-            </a:r>
-            <a:r>
-              <a:rPr lang="en-US" altLang="zh-CN" sz="1050" dirty="0"/>
-              <a:t>)</a:t>
+              <a:t>(CalculatePrecisionSet)</a:t>
             </a:r>
             <a:endParaRPr lang="zh-CN" altLang="en-US" sz="1050" dirty="0"/>
           </a:p>
@@ -24950,15 +25034,7 @@
             <a:pPr algn="ctr"/>
             <a:r>
               <a:rPr lang="en-US" altLang="zh-CN" sz="1000" dirty="0"/>
-              <a:t>(</a:t>
-            </a:r>
-            <a:r>
-              <a:rPr lang="en-US" altLang="zh-CN" sz="1000" dirty="0" err="1"/>
-              <a:t>CalculatePrecisionSet</a:t>
-            </a:r>
-            <a:r>
-              <a:rPr lang="en-US" altLang="zh-CN" sz="1000" dirty="0"/>
-              <a:t>)</a:t>
+              <a:t>(CalculatePrecisionSet)</a:t>
             </a:r>
             <a:endParaRPr lang="zh-CN" altLang="en-US" sz="1000" dirty="0"/>
           </a:p>
@@ -25166,15 +25242,7 @@
             <a:pPr algn="ctr"/>
             <a:r>
               <a:rPr lang="en-US" altLang="zh-CN" sz="1050" dirty="0"/>
-              <a:t>(</a:t>
-            </a:r>
-            <a:r>
-              <a:rPr lang="en-US" altLang="zh-CN" sz="1050" dirty="0" err="1"/>
-              <a:t>CalculatePrecisionSet</a:t>
-            </a:r>
-            <a:r>
-              <a:rPr lang="en-US" altLang="zh-CN" sz="1050" dirty="0"/>
-              <a:t>)</a:t>
+              <a:t>(CalculatePrecisionSet)</a:t>
             </a:r>
             <a:endParaRPr lang="zh-CN" altLang="en-US" sz="1050" dirty="0"/>
           </a:p>
@@ -26932,15 +27000,7 @@
             <a:pPr algn="ctr"/>
             <a:r>
               <a:rPr lang="en-US" altLang="zh-CN" sz="1000" dirty="0"/>
-              <a:t>(</a:t>
-            </a:r>
-            <a:r>
-              <a:rPr lang="en-US" altLang="zh-CN" sz="1000" dirty="0" err="1"/>
-              <a:t>CalculatePrecisionSet</a:t>
-            </a:r>
-            <a:r>
-              <a:rPr lang="en-US" altLang="zh-CN" sz="1000" dirty="0"/>
-              <a:t>)</a:t>
+              <a:t>(CalculatePrecisionSet)</a:t>
             </a:r>
             <a:endParaRPr lang="zh-CN" altLang="en-US" sz="1000" dirty="0"/>
           </a:p>
@@ -27159,15 +27219,7 @@
             <a:pPr algn="ctr"/>
             <a:r>
               <a:rPr lang="en-US" altLang="zh-CN" sz="1050" dirty="0"/>
-              <a:t>(</a:t>
-            </a:r>
-            <a:r>
-              <a:rPr lang="en-US" altLang="zh-CN" sz="1050" dirty="0" err="1"/>
-              <a:t>CalculatePrecisionSet</a:t>
-            </a:r>
-            <a:r>
-              <a:rPr lang="en-US" altLang="zh-CN" sz="1050" dirty="0"/>
-              <a:t>)</a:t>
+              <a:t>(CalculatePrecisionSet)</a:t>
             </a:r>
             <a:endParaRPr lang="zh-CN" altLang="en-US" sz="1050" dirty="0"/>
           </a:p>
